--- a/brain-2023/brain2023.pptx
+++ b/brain-2023/brain2023.pptx
@@ -220,7 +220,7 @@
           <a:p>
             <a:fld id="{819A72BE-2611-450D-82E9-4AD018E9F01B}" type="datetimeFigureOut">
               <a:rPr lang="en-US" smtClean="0"/>
-              <a:t>5/18/2023</a:t>
+              <a:t>5/21/2023</a:t>
             </a:fld>
             <a:endParaRPr lang="en-US"/>
           </a:p>
@@ -385,7 +385,7 @@
           <a:p>
             <a:fld id="{2ED30480-FF70-4C75-9982-03E26E85D6BE}" type="datetimeFigureOut">
               <a:rPr lang="en-US" smtClean="0"/>
-              <a:t>5/18/2023</a:t>
+              <a:t>5/21/2023</a:t>
             </a:fld>
             <a:endParaRPr lang="en-US"/>
           </a:p>
@@ -4474,7 +4474,7 @@
         </p:spPr>
         <p:txBody>
           <a:bodyPr vert="horz" lIns="91440" tIns="45720" rIns="91440" bIns="45720" rtlCol="0" anchor="t">
-            <a:normAutofit/>
+            <a:normAutofit lnSpcReduction="10000"/>
           </a:bodyPr>
           <a:lstStyle>
             <a:lvl1pPr marL="342900" indent="-342900" algn="l" defTabSz="457200" rtl="0" eaLnBrk="1" latinLnBrk="0" hangingPunct="1">
@@ -4616,19 +4616,27 @@
           <a:p>
             <a:r>
               <a:rPr lang="en-US" dirty="0"/>
-              <a:t>Blah 1</a:t>
+              <a:t>Connectomes are maps of the structural connections between brain regions.</a:t>
             </a:r>
           </a:p>
           <a:p>
             <a:r>
               <a:rPr lang="en-US" dirty="0"/>
-              <a:t>Blah 2</a:t>
-            </a:r>
-          </a:p>
-          <a:p>
+              <a:t>Do changes in genome </a:t>
+            </a:r>
+            <a:r>
+              <a:rPr lang="en-US" b="1" u="sng" dirty="0"/>
+              <a:t>cause</a:t>
+            </a:r>
             <a:r>
               <a:rPr lang="en-US" dirty="0"/>
-              <a:t>Blah 3</a:t>
+              <a:t> changes in connectomes?</a:t>
+            </a:r>
+          </a:p>
+          <a:p>
+            <a:r>
+              <a:rPr lang="en-US" dirty="0"/>
+              <a:t>Connectomes are highly heritable even after accounting for confounding and common structures across connectomes.</a:t>
             </a:r>
           </a:p>
         </p:txBody>
